--- a/freehand_line.pptx
+++ b/freehand_line.pptx
@@ -104,6 +104,22 @@
       </a:defRPr>
     </a:lvl9pPr>
   </p:defaultTextStyle>
+  <p:extLst>
+    <p:ext uri="{EFAFB233-063F-42B5-8137-9DF3F51BA10A}">
+      <p15:sldGuideLst xmlns:p15="http://schemas.microsoft.com/office/powerpoint/2012/main">
+        <p15:guide id="1" orient="horz" pos="2160">
+          <p15:clr>
+            <a:srgbClr val="A4A3A4"/>
+          </p15:clr>
+        </p15:guide>
+        <p15:guide id="2" pos="2880">
+          <p15:clr>
+            <a:srgbClr val="A4A3A4"/>
+          </p15:clr>
+        </p15:guide>
+      </p15:sldGuideLst>
+    </p:ext>
+  </p:extLst>
 </p:presentation>
 </file>
 
@@ -288,7 +304,7 @@
           <a:p>
             <a:fld id="{07AF7C9C-3FFC-F543-8CD5-56B058077314}" type="datetimeFigureOut">
               <a:rPr lang="en-US" smtClean="0"/>
-              <a:t>16/06/18</a:t>
+              <a:t>6/17/18</a:t>
             </a:fld>
             <a:endParaRPr lang="en-US"/>
           </a:p>
@@ -458,7 +474,7 @@
           <a:p>
             <a:fld id="{07AF7C9C-3FFC-F543-8CD5-56B058077314}" type="datetimeFigureOut">
               <a:rPr lang="en-US" smtClean="0"/>
-              <a:t>16/06/18</a:t>
+              <a:t>6/17/18</a:t>
             </a:fld>
             <a:endParaRPr lang="en-US"/>
           </a:p>
@@ -638,7 +654,7 @@
           <a:p>
             <a:fld id="{07AF7C9C-3FFC-F543-8CD5-56B058077314}" type="datetimeFigureOut">
               <a:rPr lang="en-US" smtClean="0"/>
-              <a:t>16/06/18</a:t>
+              <a:t>6/17/18</a:t>
             </a:fld>
             <a:endParaRPr lang="en-US"/>
           </a:p>
@@ -808,7 +824,7 @@
           <a:p>
             <a:fld id="{07AF7C9C-3FFC-F543-8CD5-56B058077314}" type="datetimeFigureOut">
               <a:rPr lang="en-US" smtClean="0"/>
-              <a:t>16/06/18</a:t>
+              <a:t>6/17/18</a:t>
             </a:fld>
             <a:endParaRPr lang="en-US"/>
           </a:p>
@@ -1054,7 +1070,7 @@
           <a:p>
             <a:fld id="{07AF7C9C-3FFC-F543-8CD5-56B058077314}" type="datetimeFigureOut">
               <a:rPr lang="en-US" smtClean="0"/>
-              <a:t>16/06/18</a:t>
+              <a:t>6/17/18</a:t>
             </a:fld>
             <a:endParaRPr lang="en-US"/>
           </a:p>
@@ -1342,7 +1358,7 @@
           <a:p>
             <a:fld id="{07AF7C9C-3FFC-F543-8CD5-56B058077314}" type="datetimeFigureOut">
               <a:rPr lang="en-US" smtClean="0"/>
-              <a:t>16/06/18</a:t>
+              <a:t>6/17/18</a:t>
             </a:fld>
             <a:endParaRPr lang="en-US"/>
           </a:p>
@@ -1764,7 +1780,7 @@
           <a:p>
             <a:fld id="{07AF7C9C-3FFC-F543-8CD5-56B058077314}" type="datetimeFigureOut">
               <a:rPr lang="en-US" smtClean="0"/>
-              <a:t>16/06/18</a:t>
+              <a:t>6/17/18</a:t>
             </a:fld>
             <a:endParaRPr lang="en-US"/>
           </a:p>
@@ -1882,7 +1898,7 @@
           <a:p>
             <a:fld id="{07AF7C9C-3FFC-F543-8CD5-56B058077314}" type="datetimeFigureOut">
               <a:rPr lang="en-US" smtClean="0"/>
-              <a:t>16/06/18</a:t>
+              <a:t>6/17/18</a:t>
             </a:fld>
             <a:endParaRPr lang="en-US"/>
           </a:p>
@@ -1977,7 +1993,7 @@
           <a:p>
             <a:fld id="{07AF7C9C-3FFC-F543-8CD5-56B058077314}" type="datetimeFigureOut">
               <a:rPr lang="en-US" smtClean="0"/>
-              <a:t>16/06/18</a:t>
+              <a:t>6/17/18</a:t>
             </a:fld>
             <a:endParaRPr lang="en-US"/>
           </a:p>
@@ -2254,7 +2270,7 @@
           <a:p>
             <a:fld id="{07AF7C9C-3FFC-F543-8CD5-56B058077314}" type="datetimeFigureOut">
               <a:rPr lang="en-US" smtClean="0"/>
-              <a:t>16/06/18</a:t>
+              <a:t>6/17/18</a:t>
             </a:fld>
             <a:endParaRPr lang="en-US"/>
           </a:p>
@@ -2507,7 +2523,7 @@
           <a:p>
             <a:fld id="{07AF7C9C-3FFC-F543-8CD5-56B058077314}" type="datetimeFigureOut">
               <a:rPr lang="en-US" smtClean="0"/>
-              <a:t>16/06/18</a:t>
+              <a:t>6/17/18</a:t>
             </a:fld>
             <a:endParaRPr lang="en-US"/>
           </a:p>
@@ -2720,7 +2736,7 @@
           <a:p>
             <a:fld id="{07AF7C9C-3FFC-F543-8CD5-56B058077314}" type="datetimeFigureOut">
               <a:rPr lang="en-US" smtClean="0"/>
-              <a:t>16/06/18</a:t>
+              <a:t>6/17/18</a:t>
             </a:fld>
             <a:endParaRPr lang="en-US"/>
           </a:p>
@@ -3203,8 +3219,7 @@
               <a:gd name="connsiteY45" fmla="*/ 506233 h 1696772"/>
             </a:gdLst>
             <a:ahLst/>
-            <a:cxnLst>
-						</a:cxnLst>
+            <a:cxnLst/>
             <a:rect l="l" t="t" r="r" b="b"/>
             <a:pathLst>
               <a:path w="1478320" h="1696772">
@@ -3220,6 +3235,11 @@
               </a:path>
             </a:pathLst>
           </a:custGeom>
+          <a:ln>
+            <a:solidFill>
+              <a:srgbClr val="FFFF00"/>
+            </a:solidFill>
+          </a:ln>
         </p:spPr>
         <p:style>
           <a:lnRef idx="2">
@@ -3257,7 +3277,7 @@
   <p:timing>
     <p:tnLst>
       <p:par>
-        <p:cTn xmlns:p14="http://schemas.microsoft.com/office/powerpoint/2010/main" id="1" dur="indefinite" restart="never" nodeType="tmRoot"/>
+        <p:cTn id="1" dur="indefinite" restart="never" nodeType="tmRoot"/>
       </p:par>
     </p:tnLst>
   </p:timing>

--- a/freehand_line.pptx
+++ b/freehand_line.pptx
@@ -304,7 +304,7 @@
           <a:p>
             <a:fld id="{07AF7C9C-3FFC-F543-8CD5-56B058077314}" type="datetimeFigureOut">
               <a:rPr lang="en-US" smtClean="0"/>
-              <a:t>6/17/18</a:t>
+              <a:t>6/18/18</a:t>
             </a:fld>
             <a:endParaRPr lang="en-US"/>
           </a:p>
@@ -474,7 +474,7 @@
           <a:p>
             <a:fld id="{07AF7C9C-3FFC-F543-8CD5-56B058077314}" type="datetimeFigureOut">
               <a:rPr lang="en-US" smtClean="0"/>
-              <a:t>6/17/18</a:t>
+              <a:t>6/18/18</a:t>
             </a:fld>
             <a:endParaRPr lang="en-US"/>
           </a:p>
@@ -654,7 +654,7 @@
           <a:p>
             <a:fld id="{07AF7C9C-3FFC-F543-8CD5-56B058077314}" type="datetimeFigureOut">
               <a:rPr lang="en-US" smtClean="0"/>
-              <a:t>6/17/18</a:t>
+              <a:t>6/18/18</a:t>
             </a:fld>
             <a:endParaRPr lang="en-US"/>
           </a:p>
@@ -824,7 +824,7 @@
           <a:p>
             <a:fld id="{07AF7C9C-3FFC-F543-8CD5-56B058077314}" type="datetimeFigureOut">
               <a:rPr lang="en-US" smtClean="0"/>
-              <a:t>6/17/18</a:t>
+              <a:t>6/18/18</a:t>
             </a:fld>
             <a:endParaRPr lang="en-US"/>
           </a:p>
@@ -1070,7 +1070,7 @@
           <a:p>
             <a:fld id="{07AF7C9C-3FFC-F543-8CD5-56B058077314}" type="datetimeFigureOut">
               <a:rPr lang="en-US" smtClean="0"/>
-              <a:t>6/17/18</a:t>
+              <a:t>6/18/18</a:t>
             </a:fld>
             <a:endParaRPr lang="en-US"/>
           </a:p>
@@ -1358,7 +1358,7 @@
           <a:p>
             <a:fld id="{07AF7C9C-3FFC-F543-8CD5-56B058077314}" type="datetimeFigureOut">
               <a:rPr lang="en-US" smtClean="0"/>
-              <a:t>6/17/18</a:t>
+              <a:t>6/18/18</a:t>
             </a:fld>
             <a:endParaRPr lang="en-US"/>
           </a:p>
@@ -1780,7 +1780,7 @@
           <a:p>
             <a:fld id="{07AF7C9C-3FFC-F543-8CD5-56B058077314}" type="datetimeFigureOut">
               <a:rPr lang="en-US" smtClean="0"/>
-              <a:t>6/17/18</a:t>
+              <a:t>6/18/18</a:t>
             </a:fld>
             <a:endParaRPr lang="en-US"/>
           </a:p>
@@ -1898,7 +1898,7 @@
           <a:p>
             <a:fld id="{07AF7C9C-3FFC-F543-8CD5-56B058077314}" type="datetimeFigureOut">
               <a:rPr lang="en-US" smtClean="0"/>
-              <a:t>6/17/18</a:t>
+              <a:t>6/18/18</a:t>
             </a:fld>
             <a:endParaRPr lang="en-US"/>
           </a:p>
@@ -1993,7 +1993,7 @@
           <a:p>
             <a:fld id="{07AF7C9C-3FFC-F543-8CD5-56B058077314}" type="datetimeFigureOut">
               <a:rPr lang="en-US" smtClean="0"/>
-              <a:t>6/17/18</a:t>
+              <a:t>6/18/18</a:t>
             </a:fld>
             <a:endParaRPr lang="en-US"/>
           </a:p>
@@ -2270,7 +2270,7 @@
           <a:p>
             <a:fld id="{07AF7C9C-3FFC-F543-8CD5-56B058077314}" type="datetimeFigureOut">
               <a:rPr lang="en-US" smtClean="0"/>
-              <a:t>6/17/18</a:t>
+              <a:t>6/18/18</a:t>
             </a:fld>
             <a:endParaRPr lang="en-US"/>
           </a:p>
@@ -2523,7 +2523,7 @@
           <a:p>
             <a:fld id="{07AF7C9C-3FFC-F543-8CD5-56B058077314}" type="datetimeFigureOut">
               <a:rPr lang="en-US" smtClean="0"/>
-              <a:t>6/17/18</a:t>
+              <a:t>6/18/18</a:t>
             </a:fld>
             <a:endParaRPr lang="en-US"/>
           </a:p>
@@ -2736,7 +2736,7 @@
           <a:p>
             <a:fld id="{07AF7C9C-3FFC-F543-8CD5-56B058077314}" type="datetimeFigureOut">
               <a:rPr lang="en-US" smtClean="0"/>
-              <a:t>6/17/18</a:t>
+              <a:t>6/18/18</a:t>
             </a:fld>
             <a:endParaRPr lang="en-US"/>
           </a:p>
@@ -3113,7 +3113,47 @@
       </p:grpSpPr>
       <p:sp>
         <p:nvSpPr>
-          <p:cNvPr id="4" name="Freeform 3"/>
+          <p:cNvPr id="2" name="map"/>
+          <p:cNvSpPr>
+            <a:spLocks noChangeAspect="1"/>
+          </p:cNvSpPr>
+          <p:nvPr/>
+        </p:nvSpPr>
+        <p:spPr>
+          <a:xfrm>
+            <a:off x="300939" y="173619"/>
+            <a:ext cx="8640000" cy="6480000"/>
+          </a:xfrm>
+          <a:prstGeom prst="rect">
+            <a:avLst/>
+          </a:prstGeom>
+        </p:spPr>
+        <p:style>
+          <a:lnRef idx="2">
+            <a:schemeClr val="dk1"/>
+          </a:lnRef>
+          <a:fillRef idx="1">
+            <a:schemeClr val="lt1"/>
+          </a:fillRef>
+          <a:effectRef idx="0">
+            <a:schemeClr val="dk1"/>
+          </a:effectRef>
+          <a:fontRef idx="minor">
+            <a:schemeClr val="dk1"/>
+          </a:fontRef>
+        </p:style>
+        <p:txBody>
+          <a:bodyPr rtlCol="0" anchor="ctr"/>
+          <a:lstStyle/>
+          <a:p>
+            <a:pPr algn="ctr"/>
+            <a:endParaRPr lang="en-US"/>
+          </a:p>
+        </p:txBody>
+      </p:sp>
+      <p:sp>
+        <p:nvSpPr>
+          <p:cNvPr id="4" name="sample_path"/>
           <p:cNvSpPr/>
           <p:nvPr/>
         </p:nvSpPr>
@@ -3264,6 +3304,44 @@
           </a:p>
         </p:txBody>
       </p:sp>
+      <p:sp>
+        <p:nvSpPr>
+          <p:cNvPr id="3" name="sample_arrow"/>
+          <p:cNvSpPr/>
+          <p:nvPr/>
+        </p:nvSpPr>
+        <p:spPr>
+          <a:xfrm>
+            <a:off x="1957865" y="1033105"/>
+            <a:ext cx="92598" cy="186943"/>
+          </a:xfrm>
+          <a:prstGeom prst="downArrow">
+            <a:avLst/>
+          </a:prstGeom>
+        </p:spPr>
+        <p:style>
+          <a:lnRef idx="1">
+            <a:schemeClr val="accent1"/>
+          </a:lnRef>
+          <a:fillRef idx="3">
+            <a:schemeClr val="accent1"/>
+          </a:fillRef>
+          <a:effectRef idx="2">
+            <a:schemeClr val="accent1"/>
+          </a:effectRef>
+          <a:fontRef idx="minor">
+            <a:schemeClr val="lt1"/>
+          </a:fontRef>
+        </p:style>
+        <p:txBody>
+          <a:bodyPr rtlCol="0" anchor="ctr"/>
+          <a:lstStyle/>
+          <a:p>
+            <a:pPr algn="ctr"/>
+            <a:endParaRPr lang="en-US"/>
+          </a:p>
+        </p:txBody>
+      </p:sp>
     </p:spTree>
     <p:extLst>
       <p:ext uri="{BB962C8B-B14F-4D97-AF65-F5344CB8AC3E}">
@@ -3277,9 +3355,74 @@
   <p:timing>
     <p:tnLst>
       <p:par>
-        <p:cTn id="1" dur="indefinite" restart="never" nodeType="tmRoot"/>
+        <p:cTn id="1" dur="indefinite" restart="never" nodeType="tmRoot">
+          <p:childTnLst>
+            <p:seq concurrent="1" nextAc="seek">
+              <p:cTn id="2" dur="indefinite" nodeType="mainSeq">
+                <p:childTnLst>
+                  <p:par>
+                    <p:cTn id="3" fill="hold">
+                      <p:stCondLst>
+                        <p:cond delay="indefinite"/>
+                      </p:stCondLst>
+                      <p:childTnLst>
+                        <p:par>
+                          <p:cTn id="4" fill="hold">
+                            <p:stCondLst>
+                              <p:cond delay="0"/>
+                            </p:stCondLst>
+                            <p:childTnLst>
+                              <p:par>
+                                <p:cTn id="5" presetID="0" presetClass="path" presetSubtype="0" accel="50000" decel="50000" fill="hold" grpId="0" nodeType="clickEffect">
+                                  <p:stCondLst>
+                                    <p:cond delay="0"/>
+                                  </p:stCondLst>
+                                  <p:childTnLst>
+                                    <p:animMotion origin="layout" path="M 0 0 L 0 0 C 0.00243 0.00393 0.00486 0.00787 0.00747 0.0118 C 0.01146 0.01759 0.01337 0.01852 0.01632 0.02523 C 0.01823 0.02963 0.02136 0.03866 0.02136 0.03866 C 0.02188 0.04097 0.02223 0.04328 0.02275 0.04537 C 0.02309 0.04722 0.02361 0.04884 0.02396 0.05046 C 0.02483 0.05509 0.02657 0.06412 0.02657 0.06412 C 0.02691 0.07245 0.02726 0.08102 0.02778 0.08935 C 0.02795 0.09097 0.02848 0.10393 0.03021 0.10787 C 0.03091 0.10926 0.03195 0.11018 0.03282 0.11134 C 0.03611 0.12916 0.0316 0.1081 0.03664 0.12315 C 0.03941 0.13125 0.0382 0.1331 0.04167 0.14004 C 0.04236 0.1412 0.04323 0.14259 0.04427 0.14328 C 0.04532 0.14421 0.0467 0.14444 0.04809 0.14514 C 0.05087 0.1412 0.05209 0.13889 0.05556 0.13657 C 0.05677 0.13588 0.05816 0.13565 0.05938 0.13495 C 0.06077 0.13403 0.06181 0.13241 0.0632 0.13148 C 0.06441 0.13078 0.0658 0.13078 0.06702 0.12986 C 0.06962 0.12778 0.07205 0.12523 0.07466 0.12315 L 0.07848 0.11967 C 0.07969 0.11852 0.08073 0.1169 0.08212 0.11643 L 0.08594 0.11458 C 0.08837 0.11157 0.08907 0.10995 0.09236 0.10787 C 0.09358 0.10717 0.09479 0.10671 0.09618 0.10625 C 0.09861 0.10393 0.10104 0.10116 0.10365 0.09953 C 0.10712 0.09722 0.11077 0.0956 0.11389 0.09259 C 0.11511 0.09166 0.11615 0.09004 0.11771 0.08935 C 0.11962 0.08842 0.12188 0.08819 0.12396 0.08773 C 0.12882 0.08634 0.12865 0.08611 0.13282 0.08426 C 0.13889 0.07893 0.13525 0.08148 0.14427 0.07754 C 0.14549 0.07685 0.14688 0.07685 0.14809 0.07592 C 0.15052 0.07361 0.15278 0.07037 0.15556 0.06898 C 0.1599 0.06713 0.15851 0.06875 0.16077 0.06574 " pathEditMode="relative" ptsTypes="AAAAAAAAAAAAAAAAAAAAAAAAAAAAAAAAAA">
+                                      <p:cBhvr>
+                                        <p:cTn id="6" dur="2000" fill="hold"/>
+                                        <p:tgtEl>
+                                          <p:spTgt spid="3"/>
+                                        </p:tgtEl>
+                                        <p:attrNameLst>
+                                          <p:attrName>ppt_x</p:attrName>
+                                          <p:attrName>ppt_y</p:attrName>
+                                        </p:attrNameLst>
+                                      </p:cBhvr>
+                                    </p:animMotion>
+                                  </p:childTnLst>
+                                </p:cTn>
+                              </p:par>
+                            </p:childTnLst>
+                          </p:cTn>
+                        </p:par>
+                      </p:childTnLst>
+                    </p:cTn>
+                  </p:par>
+                </p:childTnLst>
+              </p:cTn>
+              <p:prevCondLst>
+                <p:cond evt="onPrev" delay="0">
+                  <p:tgtEl>
+                    <p:sldTgt/>
+                  </p:tgtEl>
+                </p:cond>
+              </p:prevCondLst>
+              <p:nextCondLst>
+                <p:cond evt="onNext" delay="0">
+                  <p:tgtEl>
+                    <p:sldTgt/>
+                  </p:tgtEl>
+                </p:cond>
+              </p:nextCondLst>
+            </p:seq>
+          </p:childTnLst>
+        </p:cTn>
       </p:par>
     </p:tnLst>
+    <p:bldLst>
+      <p:bldP spid="3" grpId="0" animBg="1"/>
+    </p:bldLst>
   </p:timing>
 </p:sld>
 </file>
